--- a/OrigionDesign.pptx
+++ b/OrigionDesign.pptx
@@ -112,6 +112,11 @@
       </a:defRPr>
     </a:lvl9pPr>
   </p:defaultTextStyle>
+  <p:extLst>
+    <p:ext uri="{EFAFB233-063F-42B5-8137-9DF3F51BA10A}">
+      <p15:sldGuideLst xmlns:p15="http://schemas.microsoft.com/office/powerpoint/2012/main"/>
+    </p:ext>
+  </p:extLst>
 </p:presentation>
 </file>
 
@@ -262,7 +267,7 @@
           <a:p>
             <a:fld id="{F7B12674-D13B-4D80-8558-A1CC4629B535}" type="datetimeFigureOut">
               <a:rPr lang="zh-CN" altLang="en-US" smtClean="0"/>
-              <a:t>2020/8/15</a:t>
+              <a:t>2020/8/16</a:t>
             </a:fld>
             <a:endParaRPr lang="zh-CN" altLang="en-US"/>
           </a:p>
@@ -332,13 +337,13 @@
   <p:clrMapOvr>
     <a:masterClrMapping/>
   </p:clrMapOvr>
-  <mc:AlternateContent xmlns:mc="http://schemas.openxmlformats.org/markup-compatibility/2006">
-    <mc:Choice xmlns:p159="http://schemas.microsoft.com/office/powerpoint/2015/09/main" Requires="p159">
+  <mc:AlternateContent xmlns:mc="http://schemas.openxmlformats.org/markup-compatibility/2006" xmlns:p159="http://schemas.microsoft.com/office/powerpoint/2015/09/main">
+    <mc:Choice Requires="p159">
       <p:transition>
         <p159:morph option="byObject"/>
       </p:transition>
     </mc:Choice>
-    <mc:Fallback>
+    <mc:Fallback xmlns="">
       <p:transition>
         <p:fade/>
       </p:transition>
@@ -472,7 +477,7 @@
           <a:p>
             <a:fld id="{F7B12674-D13B-4D80-8558-A1CC4629B535}" type="datetimeFigureOut">
               <a:rPr lang="zh-CN" altLang="en-US" smtClean="0"/>
-              <a:t>2020/8/15</a:t>
+              <a:t>2020/8/16</a:t>
             </a:fld>
             <a:endParaRPr lang="zh-CN" altLang="en-US"/>
           </a:p>
@@ -542,13 +547,13 @@
   <p:clrMapOvr>
     <a:masterClrMapping/>
   </p:clrMapOvr>
-  <mc:AlternateContent xmlns:mc="http://schemas.openxmlformats.org/markup-compatibility/2006">
-    <mc:Choice xmlns:p159="http://schemas.microsoft.com/office/powerpoint/2015/09/main" Requires="p159">
+  <mc:AlternateContent xmlns:mc="http://schemas.openxmlformats.org/markup-compatibility/2006" xmlns:p159="http://schemas.microsoft.com/office/powerpoint/2015/09/main">
+    <mc:Choice Requires="p159">
       <p:transition>
         <p159:morph option="byObject"/>
       </p:transition>
     </mc:Choice>
-    <mc:Fallback>
+    <mc:Fallback xmlns="">
       <p:transition>
         <p:fade/>
       </p:transition>
@@ -692,7 +697,7 @@
           <a:p>
             <a:fld id="{F7B12674-D13B-4D80-8558-A1CC4629B535}" type="datetimeFigureOut">
               <a:rPr lang="zh-CN" altLang="en-US" smtClean="0"/>
-              <a:t>2020/8/15</a:t>
+              <a:t>2020/8/16</a:t>
             </a:fld>
             <a:endParaRPr lang="zh-CN" altLang="en-US"/>
           </a:p>
@@ -762,13 +767,13 @@
   <p:clrMapOvr>
     <a:masterClrMapping/>
   </p:clrMapOvr>
-  <mc:AlternateContent xmlns:mc="http://schemas.openxmlformats.org/markup-compatibility/2006">
-    <mc:Choice xmlns:p159="http://schemas.microsoft.com/office/powerpoint/2015/09/main" Requires="p159">
+  <mc:AlternateContent xmlns:mc="http://schemas.openxmlformats.org/markup-compatibility/2006" xmlns:p159="http://schemas.microsoft.com/office/powerpoint/2015/09/main">
+    <mc:Choice Requires="p159">
       <p:transition>
         <p159:morph option="byObject"/>
       </p:transition>
     </mc:Choice>
-    <mc:Fallback>
+    <mc:Fallback xmlns="">
       <p:transition>
         <p:fade/>
       </p:transition>
@@ -902,7 +907,7 @@
           <a:p>
             <a:fld id="{F7B12674-D13B-4D80-8558-A1CC4629B535}" type="datetimeFigureOut">
               <a:rPr lang="zh-CN" altLang="en-US" smtClean="0"/>
-              <a:t>2020/8/15</a:t>
+              <a:t>2020/8/16</a:t>
             </a:fld>
             <a:endParaRPr lang="zh-CN" altLang="en-US"/>
           </a:p>
@@ -972,13 +977,13 @@
   <p:clrMapOvr>
     <a:masterClrMapping/>
   </p:clrMapOvr>
-  <mc:AlternateContent xmlns:mc="http://schemas.openxmlformats.org/markup-compatibility/2006">
-    <mc:Choice xmlns:p159="http://schemas.microsoft.com/office/powerpoint/2015/09/main" Requires="p159">
+  <mc:AlternateContent xmlns:mc="http://schemas.openxmlformats.org/markup-compatibility/2006" xmlns:p159="http://schemas.microsoft.com/office/powerpoint/2015/09/main">
+    <mc:Choice Requires="p159">
       <p:transition>
         <p159:morph option="byObject"/>
       </p:transition>
     </mc:Choice>
-    <mc:Fallback>
+    <mc:Fallback xmlns="">
       <p:transition>
         <p:fade/>
       </p:transition>
@@ -1189,7 +1194,7 @@
           <a:p>
             <a:fld id="{F7B12674-D13B-4D80-8558-A1CC4629B535}" type="datetimeFigureOut">
               <a:rPr lang="zh-CN" altLang="en-US" smtClean="0"/>
-              <a:t>2020/8/15</a:t>
+              <a:t>2020/8/16</a:t>
             </a:fld>
             <a:endParaRPr lang="zh-CN" altLang="en-US"/>
           </a:p>
@@ -1259,13 +1264,13 @@
   <p:clrMapOvr>
     <a:masterClrMapping/>
   </p:clrMapOvr>
-  <mc:AlternateContent xmlns:mc="http://schemas.openxmlformats.org/markup-compatibility/2006">
-    <mc:Choice xmlns:p159="http://schemas.microsoft.com/office/powerpoint/2015/09/main" Requires="p159">
+  <mc:AlternateContent xmlns:mc="http://schemas.openxmlformats.org/markup-compatibility/2006" xmlns:p159="http://schemas.microsoft.com/office/powerpoint/2015/09/main">
+    <mc:Choice Requires="p159">
       <p:transition>
         <p159:morph option="byObject"/>
       </p:transition>
     </mc:Choice>
-    <mc:Fallback>
+    <mc:Fallback xmlns="">
       <p:transition>
         <p:fade/>
       </p:transition>
@@ -1466,7 +1471,7 @@
           <a:p>
             <a:fld id="{F7B12674-D13B-4D80-8558-A1CC4629B535}" type="datetimeFigureOut">
               <a:rPr lang="zh-CN" altLang="en-US" smtClean="0"/>
-              <a:t>2020/8/15</a:t>
+              <a:t>2020/8/16</a:t>
             </a:fld>
             <a:endParaRPr lang="zh-CN" altLang="en-US"/>
           </a:p>
@@ -1536,13 +1541,13 @@
   <p:clrMapOvr>
     <a:masterClrMapping/>
   </p:clrMapOvr>
-  <mc:AlternateContent xmlns:mc="http://schemas.openxmlformats.org/markup-compatibility/2006">
-    <mc:Choice xmlns:p159="http://schemas.microsoft.com/office/powerpoint/2015/09/main" Requires="p159">
+  <mc:AlternateContent xmlns:mc="http://schemas.openxmlformats.org/markup-compatibility/2006" xmlns:p159="http://schemas.microsoft.com/office/powerpoint/2015/09/main">
+    <mc:Choice Requires="p159">
       <p:transition>
         <p159:morph option="byObject"/>
       </p:transition>
     </mc:Choice>
-    <mc:Fallback>
+    <mc:Fallback xmlns="">
       <p:transition>
         <p:fade/>
       </p:transition>
@@ -1890,7 +1895,7 @@
           <a:p>
             <a:fld id="{F7B12674-D13B-4D80-8558-A1CC4629B535}" type="datetimeFigureOut">
               <a:rPr lang="zh-CN" altLang="en-US" smtClean="0"/>
-              <a:t>2020/8/15</a:t>
+              <a:t>2020/8/16</a:t>
             </a:fld>
             <a:endParaRPr lang="zh-CN" altLang="en-US"/>
           </a:p>
@@ -1960,13 +1965,13 @@
   <p:clrMapOvr>
     <a:masterClrMapping/>
   </p:clrMapOvr>
-  <mc:AlternateContent xmlns:mc="http://schemas.openxmlformats.org/markup-compatibility/2006">
-    <mc:Choice xmlns:p159="http://schemas.microsoft.com/office/powerpoint/2015/09/main" Requires="p159">
+  <mc:AlternateContent xmlns:mc="http://schemas.openxmlformats.org/markup-compatibility/2006" xmlns:p159="http://schemas.microsoft.com/office/powerpoint/2015/09/main">
+    <mc:Choice Requires="p159">
       <p:transition>
         <p159:morph option="byObject"/>
       </p:transition>
     </mc:Choice>
-    <mc:Fallback>
+    <mc:Fallback xmlns="">
       <p:transition>
         <p:fade/>
       </p:transition>
@@ -2043,7 +2048,7 @@
           <a:p>
             <a:fld id="{F7B12674-D13B-4D80-8558-A1CC4629B535}" type="datetimeFigureOut">
               <a:rPr lang="zh-CN" altLang="en-US" smtClean="0"/>
-              <a:t>2020/8/15</a:t>
+              <a:t>2020/8/16</a:t>
             </a:fld>
             <a:endParaRPr lang="zh-CN" altLang="en-US"/>
           </a:p>
@@ -2113,13 +2118,13 @@
   <p:clrMapOvr>
     <a:masterClrMapping/>
   </p:clrMapOvr>
-  <mc:AlternateContent xmlns:mc="http://schemas.openxmlformats.org/markup-compatibility/2006">
-    <mc:Choice xmlns:p159="http://schemas.microsoft.com/office/powerpoint/2015/09/main" Requires="p159">
+  <mc:AlternateContent xmlns:mc="http://schemas.openxmlformats.org/markup-compatibility/2006" xmlns:p159="http://schemas.microsoft.com/office/powerpoint/2015/09/main">
+    <mc:Choice Requires="p159">
       <p:transition>
         <p159:morph option="byObject"/>
       </p:transition>
     </mc:Choice>
-    <mc:Fallback>
+    <mc:Fallback xmlns="">
       <p:transition>
         <p:fade/>
       </p:transition>
@@ -2168,7 +2173,7 @@
           <a:p>
             <a:fld id="{F7B12674-D13B-4D80-8558-A1CC4629B535}" type="datetimeFigureOut">
               <a:rPr lang="zh-CN" altLang="en-US" smtClean="0"/>
-              <a:t>2020/8/15</a:t>
+              <a:t>2020/8/16</a:t>
             </a:fld>
             <a:endParaRPr lang="zh-CN" altLang="en-US"/>
           </a:p>
@@ -2238,13 +2243,13 @@
   <p:clrMapOvr>
     <a:masterClrMapping/>
   </p:clrMapOvr>
-  <mc:AlternateContent xmlns:mc="http://schemas.openxmlformats.org/markup-compatibility/2006">
-    <mc:Choice xmlns:p159="http://schemas.microsoft.com/office/powerpoint/2015/09/main" Requires="p159">
+  <mc:AlternateContent xmlns:mc="http://schemas.openxmlformats.org/markup-compatibility/2006" xmlns:p159="http://schemas.microsoft.com/office/powerpoint/2015/09/main">
+    <mc:Choice Requires="p159">
       <p:transition>
         <p159:morph option="byObject"/>
       </p:transition>
     </mc:Choice>
-    <mc:Fallback>
+    <mc:Fallback xmlns="">
       <p:transition>
         <p:fade/>
       </p:transition>
@@ -2491,7 +2496,7 @@
           <a:p>
             <a:fld id="{F7B12674-D13B-4D80-8558-A1CC4629B535}" type="datetimeFigureOut">
               <a:rPr lang="zh-CN" altLang="en-US" smtClean="0"/>
-              <a:t>2020/8/15</a:t>
+              <a:t>2020/8/16</a:t>
             </a:fld>
             <a:endParaRPr lang="zh-CN" altLang="en-US"/>
           </a:p>
@@ -2561,13 +2566,13 @@
   <p:clrMapOvr>
     <a:masterClrMapping/>
   </p:clrMapOvr>
-  <mc:AlternateContent xmlns:mc="http://schemas.openxmlformats.org/markup-compatibility/2006">
-    <mc:Choice xmlns:p159="http://schemas.microsoft.com/office/powerpoint/2015/09/main" Requires="p159">
+  <mc:AlternateContent xmlns:mc="http://schemas.openxmlformats.org/markup-compatibility/2006" xmlns:p159="http://schemas.microsoft.com/office/powerpoint/2015/09/main">
+    <mc:Choice Requires="p159">
       <p:transition>
         <p159:morph option="byObject"/>
       </p:transition>
     </mc:Choice>
-    <mc:Fallback>
+    <mc:Fallback xmlns="">
       <p:transition>
         <p:fade/>
       </p:transition>
@@ -2791,7 +2796,7 @@
           <a:p>
             <a:fld id="{F7B12674-D13B-4D80-8558-A1CC4629B535}" type="datetimeFigureOut">
               <a:rPr lang="zh-CN" altLang="en-US" smtClean="0"/>
-              <a:t>2020/8/15</a:t>
+              <a:t>2020/8/16</a:t>
             </a:fld>
             <a:endParaRPr lang="zh-CN" altLang="en-US"/>
           </a:p>
@@ -2861,13 +2866,13 @@
   <p:clrMapOvr>
     <a:masterClrMapping/>
   </p:clrMapOvr>
-  <mc:AlternateContent xmlns:mc="http://schemas.openxmlformats.org/markup-compatibility/2006">
-    <mc:Choice xmlns:p159="http://schemas.microsoft.com/office/powerpoint/2015/09/main" Requires="p159">
+  <mc:AlternateContent xmlns:mc="http://schemas.openxmlformats.org/markup-compatibility/2006" xmlns:p159="http://schemas.microsoft.com/office/powerpoint/2015/09/main">
+    <mc:Choice Requires="p159">
       <p:transition>
         <p159:morph option="byObject"/>
       </p:transition>
     </mc:Choice>
-    <mc:Fallback>
+    <mc:Fallback xmlns="">
       <p:transition>
         <p:fade/>
       </p:transition>
@@ -3049,7 +3054,7 @@
           <a:p>
             <a:fld id="{F7B12674-D13B-4D80-8558-A1CC4629B535}" type="datetimeFigureOut">
               <a:rPr lang="zh-CN" altLang="en-US" smtClean="0"/>
-              <a:t>2020/8/15</a:t>
+              <a:t>2020/8/16</a:t>
             </a:fld>
             <a:endParaRPr lang="zh-CN" altLang="en-US"/>
           </a:p>
@@ -3166,13 +3171,13 @@
     <p:sldLayoutId id="2147483658" r:id="rId10"/>
     <p:sldLayoutId id="2147483659" r:id="rId11"/>
   </p:sldLayoutIdLst>
-  <mc:AlternateContent xmlns:mc="http://schemas.openxmlformats.org/markup-compatibility/2006">
-    <mc:Choice xmlns:p159="http://schemas.microsoft.com/office/powerpoint/2015/09/main" Requires="p159">
+  <mc:AlternateContent xmlns:mc="http://schemas.openxmlformats.org/markup-compatibility/2006" xmlns:p159="http://schemas.microsoft.com/office/powerpoint/2015/09/main">
+    <mc:Choice Requires="p159">
       <p:transition>
         <p159:morph option="byObject"/>
       </p:transition>
     </mc:Choice>
-    <mc:Fallback>
+    <mc:Fallback xmlns="">
       <p:transition>
         <p:fade/>
       </p:transition>
@@ -4404,13 +4409,13 @@
   <p:clrMapOvr>
     <a:masterClrMapping/>
   </p:clrMapOvr>
-  <mc:AlternateContent xmlns:mc="http://schemas.openxmlformats.org/markup-compatibility/2006">
-    <mc:Choice xmlns:p159="http://schemas.microsoft.com/office/powerpoint/2015/09/main" Requires="p159">
+  <mc:AlternateContent xmlns:mc="http://schemas.openxmlformats.org/markup-compatibility/2006" xmlns:p159="http://schemas.microsoft.com/office/powerpoint/2015/09/main">
+    <mc:Choice Requires="p159">
       <p:transition>
         <p159:morph option="byObject"/>
       </p:transition>
     </mc:Choice>
-    <mc:Fallback>
+    <mc:Fallback xmlns="">
       <p:transition>
         <p:fade/>
       </p:transition>
@@ -4988,13 +4993,13 @@
   <p:clrMapOvr>
     <a:masterClrMapping/>
   </p:clrMapOvr>
-  <mc:AlternateContent xmlns:mc="http://schemas.openxmlformats.org/markup-compatibility/2006">
-    <mc:Choice xmlns:p159="http://schemas.microsoft.com/office/powerpoint/2015/09/main" Requires="p159">
+  <mc:AlternateContent xmlns:mc="http://schemas.openxmlformats.org/markup-compatibility/2006" xmlns:p159="http://schemas.microsoft.com/office/powerpoint/2015/09/main">
+    <mc:Choice Requires="p159">
       <p:transition>
         <p159:morph option="byObject"/>
       </p:transition>
     </mc:Choice>
-    <mc:Fallback>
+    <mc:Fallback xmlns="">
       <p:transition>
         <p:fade/>
       </p:transition>
@@ -5580,13 +5585,13 @@
   <p:clrMapOvr>
     <a:masterClrMapping/>
   </p:clrMapOvr>
-  <mc:AlternateContent xmlns:mc="http://schemas.openxmlformats.org/markup-compatibility/2006">
-    <mc:Choice xmlns:p159="http://schemas.microsoft.com/office/powerpoint/2015/09/main" Requires="p159">
+  <mc:AlternateContent xmlns:mc="http://schemas.openxmlformats.org/markup-compatibility/2006" xmlns:p159="http://schemas.microsoft.com/office/powerpoint/2015/09/main">
+    <mc:Choice Requires="p159">
       <p:transition>
         <p159:morph option="byObject"/>
       </p:transition>
     </mc:Choice>
-    <mc:Fallback>
+    <mc:Fallback xmlns="">
       <p:transition>
         <p:fade/>
       </p:transition>
@@ -6211,13 +6216,13 @@
   <p:clrMapOvr>
     <a:masterClrMapping/>
   </p:clrMapOvr>
-  <mc:AlternateContent xmlns:mc="http://schemas.openxmlformats.org/markup-compatibility/2006">
-    <mc:Choice xmlns:p159="http://schemas.microsoft.com/office/powerpoint/2015/09/main" Requires="p159">
+  <mc:AlternateContent xmlns:mc="http://schemas.openxmlformats.org/markup-compatibility/2006" xmlns:p159="http://schemas.microsoft.com/office/powerpoint/2015/09/main">
+    <mc:Choice Requires="p159">
       <p:transition>
         <p159:morph option="byObject"/>
       </p:transition>
     </mc:Choice>
-    <mc:Fallback>
+    <mc:Fallback xmlns="">
       <p:transition>
         <p:fade/>
       </p:transition>
@@ -6290,18 +6295,34 @@
           <a:p>
             <a:pPr algn="ctr"/>
             <a:r>
-              <a:rPr lang="en-US" altLang="zh-CN" sz="6600" dirty="0"/>
+              <a:rPr lang="en-US" altLang="zh-CN" sz="6600" dirty="0">
+                <a:solidFill>
+                  <a:srgbClr val="00B050"/>
+                </a:solidFill>
+              </a:rPr>
               <a:t>[</a:t>
             </a:r>
             <a:r>
-              <a:rPr lang="zh-CN" altLang="en-US" sz="4400" b="1" dirty="0"/>
+              <a:rPr lang="zh-CN" altLang="en-US" sz="4400" b="1" dirty="0">
+                <a:solidFill>
+                  <a:srgbClr val="00B050"/>
+                </a:solidFill>
+              </a:rPr>
               <a:t>接收数据处理模块</a:t>
             </a:r>
             <a:r>
-              <a:rPr lang="en-US" altLang="zh-CN" sz="6600" dirty="0"/>
+              <a:rPr lang="en-US" altLang="zh-CN" sz="6600" dirty="0">
+                <a:solidFill>
+                  <a:srgbClr val="00B050"/>
+                </a:solidFill>
+              </a:rPr>
               <a:t>]</a:t>
             </a:r>
-            <a:endParaRPr lang="zh-CN" altLang="en-US" sz="6600" dirty="0"/>
+            <a:endParaRPr lang="zh-CN" altLang="en-US" sz="6600" dirty="0">
+              <a:solidFill>
+                <a:srgbClr val="00B050"/>
+              </a:solidFill>
+            </a:endParaRPr>
           </a:p>
         </p:txBody>
       </p:sp>
@@ -6476,18 +6497,34 @@
           <a:p>
             <a:pPr algn="ctr"/>
             <a:r>
-              <a:rPr lang="en-US" altLang="zh-CN" sz="3200" dirty="0"/>
+              <a:rPr lang="en-US" altLang="zh-CN" sz="3200" dirty="0">
+                <a:solidFill>
+                  <a:srgbClr val="00B050"/>
+                </a:solidFill>
+              </a:rPr>
               <a:t>[</a:t>
             </a:r>
             <a:r>
-              <a:rPr lang="zh-CN" altLang="en-US" sz="2400" b="1" dirty="0"/>
+              <a:rPr lang="zh-CN" altLang="en-US" sz="2400" b="1" dirty="0">
+                <a:solidFill>
+                  <a:srgbClr val="00B050"/>
+                </a:solidFill>
+              </a:rPr>
               <a:t>报文类型管理模块</a:t>
             </a:r>
             <a:r>
-              <a:rPr lang="en-US" altLang="zh-CN" sz="3200" dirty="0"/>
+              <a:rPr lang="en-US" altLang="zh-CN" sz="3200" dirty="0">
+                <a:solidFill>
+                  <a:srgbClr val="00B050"/>
+                </a:solidFill>
+              </a:rPr>
               <a:t>]</a:t>
             </a:r>
-            <a:endParaRPr lang="zh-CN" altLang="en-US" sz="2400" dirty="0"/>
+            <a:endParaRPr lang="zh-CN" altLang="en-US" sz="2400" dirty="0">
+              <a:solidFill>
+                <a:srgbClr val="00B050"/>
+              </a:solidFill>
+            </a:endParaRPr>
           </a:p>
         </p:txBody>
       </p:sp>
@@ -6657,13 +6694,13 @@
   <p:clrMapOvr>
     <a:masterClrMapping/>
   </p:clrMapOvr>
-  <mc:AlternateContent xmlns:mc="http://schemas.openxmlformats.org/markup-compatibility/2006">
-    <mc:Choice xmlns:p159="http://schemas.microsoft.com/office/powerpoint/2015/09/main" Requires="p159">
+  <mc:AlternateContent xmlns:mc="http://schemas.openxmlformats.org/markup-compatibility/2006" xmlns:p159="http://schemas.microsoft.com/office/powerpoint/2015/09/main">
+    <mc:Choice Requires="p159">
       <p:transition>
         <p159:morph option="byObject"/>
       </p:transition>
     </mc:Choice>
-    <mc:Fallback>
+    <mc:Fallback xmlns="">
       <p:transition>
         <p:fade/>
       </p:transition>
@@ -7528,13 +7565,13 @@
   <p:clrMapOvr>
     <a:masterClrMapping/>
   </p:clrMapOvr>
-  <mc:AlternateContent xmlns:mc="http://schemas.openxmlformats.org/markup-compatibility/2006">
-    <mc:Choice xmlns:p159="http://schemas.microsoft.com/office/powerpoint/2015/09/main" Requires="p159">
+  <mc:AlternateContent xmlns:mc="http://schemas.openxmlformats.org/markup-compatibility/2006" xmlns:p159="http://schemas.microsoft.com/office/powerpoint/2015/09/main">
+    <mc:Choice Requires="p159">
       <p:transition>
         <p159:morph option="byObject"/>
       </p:transition>
     </mc:Choice>
-    <mc:Fallback>
+    <mc:Fallback xmlns="">
       <p:transition>
         <p:fade/>
       </p:transition>
@@ -10376,13 +10413,13 @@
   <p:clrMapOvr>
     <a:masterClrMapping/>
   </p:clrMapOvr>
-  <mc:AlternateContent xmlns:mc="http://schemas.openxmlformats.org/markup-compatibility/2006">
-    <mc:Choice xmlns:p159="http://schemas.microsoft.com/office/powerpoint/2015/09/main" Requires="p159">
+  <mc:AlternateContent xmlns:mc="http://schemas.openxmlformats.org/markup-compatibility/2006" xmlns:p159="http://schemas.microsoft.com/office/powerpoint/2015/09/main">
+    <mc:Choice Requires="p159">
       <p:transition>
         <p159:morph option="byObject"/>
       </p:transition>
     </mc:Choice>
-    <mc:Fallback>
+    <mc:Fallback xmlns="">
       <p:transition>
         <p:fade/>
       </p:transition>
@@ -12019,13 +12056,13 @@
   <p:clrMapOvr>
     <a:masterClrMapping/>
   </p:clrMapOvr>
-  <mc:AlternateContent xmlns:mc="http://schemas.openxmlformats.org/markup-compatibility/2006">
-    <mc:Choice xmlns:p159="http://schemas.microsoft.com/office/powerpoint/2015/09/main" Requires="p159">
+  <mc:AlternateContent xmlns:mc="http://schemas.openxmlformats.org/markup-compatibility/2006" xmlns:p159="http://schemas.microsoft.com/office/powerpoint/2015/09/main">
+    <mc:Choice Requires="p159">
       <p:transition>
         <p159:morph option="byObject"/>
       </p:transition>
     </mc:Choice>
-    <mc:Fallback>
+    <mc:Fallback xmlns="">
       <p:transition>
         <p:fade/>
       </p:transition>
@@ -13807,13 +13844,13 @@
   <p:clrMapOvr>
     <a:masterClrMapping/>
   </p:clrMapOvr>
-  <mc:AlternateContent xmlns:mc="http://schemas.openxmlformats.org/markup-compatibility/2006">
-    <mc:Choice xmlns:p159="http://schemas.microsoft.com/office/powerpoint/2015/09/main" Requires="p159">
+  <mc:AlternateContent xmlns:mc="http://schemas.openxmlformats.org/markup-compatibility/2006" xmlns:p159="http://schemas.microsoft.com/office/powerpoint/2015/09/main">
+    <mc:Choice Requires="p159">
       <p:transition>
         <p159:morph option="byObject"/>
       </p:transition>
     </mc:Choice>
-    <mc:Fallback>
+    <mc:Fallback xmlns="">
       <p:transition>
         <p:fade/>
       </p:transition>
